--- a/MidSemester-Rev1.pptx
+++ b/MidSemester-Rev1.pptx
@@ -5,14 +5,15 @@
     <p:sldMasterId id="2147483660" r:id="rId1"/>
   </p:sldMasterIdLst>
   <p:notesMasterIdLst>
-    <p:notesMasterId r:id="rId7"/>
+    <p:notesMasterId r:id="rId8"/>
   </p:notesMasterIdLst>
   <p:sldIdLst>
     <p:sldId id="256" r:id="rId2"/>
     <p:sldId id="257" r:id="rId3"/>
     <p:sldId id="261" r:id="rId4"/>
-    <p:sldId id="258" r:id="rId5"/>
-    <p:sldId id="260" r:id="rId6"/>
+    <p:sldId id="262" r:id="rId5"/>
+    <p:sldId id="258" r:id="rId6"/>
+    <p:sldId id="260" r:id="rId7"/>
   </p:sldIdLst>
   <p:sldSz cx="9144000" cy="6858000" type="screen4x3"/>
   <p:notesSz cx="6858000" cy="9144000"/>
@@ -197,7 +198,7 @@
             <a:fld id="{6A991F94-411E-4D1B-964A-19708FD6EDDE}" type="datetimeFigureOut">
               <a:rPr lang="en-US" smtClean="0"/>
               <a:pPr/>
-              <a:t>11/5/2009</a:t>
+              <a:t>11/6/2009</a:t>
             </a:fld>
             <a:endParaRPr lang="en-US"/>
           </a:p>
@@ -629,7 +630,7 @@
             <a:fld id="{57E37017-D452-46B1-9141-A3EBDDF042AB}" type="slidenum">
               <a:rPr lang="en-US" smtClean="0"/>
               <a:pPr/>
-              <a:t>5</a:t>
+              <a:t>6</a:t>
             </a:fld>
             <a:endParaRPr lang="en-US"/>
           </a:p>
@@ -755,7 +756,7 @@
             <a:fld id="{C9E98D7A-2B2F-47CD-B202-BDEB206AE83D}" type="datetimeFigureOut">
               <a:rPr lang="en-US" smtClean="0"/>
               <a:pPr/>
-              <a:t>11/5/2009</a:t>
+              <a:t>11/6/2009</a:t>
             </a:fld>
             <a:endParaRPr lang="en-US"/>
           </a:p>
@@ -983,7 +984,7 @@
             <a:fld id="{C9E98D7A-2B2F-47CD-B202-BDEB206AE83D}" type="datetimeFigureOut">
               <a:rPr lang="en-US" smtClean="0"/>
               <a:pPr/>
-              <a:t>11/5/2009</a:t>
+              <a:t>11/6/2009</a:t>
             </a:fld>
             <a:endParaRPr lang="en-US"/>
           </a:p>
@@ -1160,7 +1161,7 @@
             <a:fld id="{C9E98D7A-2B2F-47CD-B202-BDEB206AE83D}" type="datetimeFigureOut">
               <a:rPr lang="en-US" smtClean="0"/>
               <a:pPr/>
-              <a:t>11/5/2009</a:t>
+              <a:t>11/6/2009</a:t>
             </a:fld>
             <a:endParaRPr lang="en-US"/>
           </a:p>
@@ -1327,7 +1328,7 @@
             <a:fld id="{C9E98D7A-2B2F-47CD-B202-BDEB206AE83D}" type="datetimeFigureOut">
               <a:rPr lang="en-US" smtClean="0"/>
               <a:pPr/>
-              <a:t>11/5/2009</a:t>
+              <a:t>11/6/2009</a:t>
             </a:fld>
             <a:endParaRPr lang="en-US"/>
           </a:p>
@@ -1573,7 +1574,7 @@
             <a:fld id="{C9E98D7A-2B2F-47CD-B202-BDEB206AE83D}" type="datetimeFigureOut">
               <a:rPr lang="en-US" smtClean="0"/>
               <a:pPr/>
-              <a:t>11/5/2009</a:t>
+              <a:t>11/6/2009</a:t>
             </a:fld>
             <a:endParaRPr lang="en-US"/>
           </a:p>
@@ -1839,7 +1840,7 @@
             <a:fld id="{C9E98D7A-2B2F-47CD-B202-BDEB206AE83D}" type="datetimeFigureOut">
               <a:rPr lang="en-US" smtClean="0"/>
               <a:pPr/>
-              <a:t>11/5/2009</a:t>
+              <a:t>11/6/2009</a:t>
             </a:fld>
             <a:endParaRPr lang="en-US"/>
           </a:p>
@@ -2215,7 +2216,7 @@
             <a:fld id="{C9E98D7A-2B2F-47CD-B202-BDEB206AE83D}" type="datetimeFigureOut">
               <a:rPr lang="en-US" smtClean="0"/>
               <a:pPr/>
-              <a:t>11/5/2009</a:t>
+              <a:t>11/6/2009</a:t>
             </a:fld>
             <a:endParaRPr lang="en-US"/>
           </a:p>
@@ -2330,7 +2331,7 @@
             <a:fld id="{C9E98D7A-2B2F-47CD-B202-BDEB206AE83D}" type="datetimeFigureOut">
               <a:rPr lang="en-US" smtClean="0"/>
               <a:pPr/>
-              <a:t>11/5/2009</a:t>
+              <a:t>11/6/2009</a:t>
             </a:fld>
             <a:endParaRPr lang="en-US"/>
           </a:p>
@@ -2422,7 +2423,7 @@
             <a:fld id="{C9E98D7A-2B2F-47CD-B202-BDEB206AE83D}" type="datetimeFigureOut">
               <a:rPr lang="en-US" smtClean="0"/>
               <a:pPr/>
-              <a:t>11/5/2009</a:t>
+              <a:t>11/6/2009</a:t>
             </a:fld>
             <a:endParaRPr lang="en-US"/>
           </a:p>
@@ -2682,7 +2683,7 @@
             <a:fld id="{C9E98D7A-2B2F-47CD-B202-BDEB206AE83D}" type="datetimeFigureOut">
               <a:rPr lang="en-US" smtClean="0"/>
               <a:pPr/>
-              <a:t>11/5/2009</a:t>
+              <a:t>11/6/2009</a:t>
             </a:fld>
             <a:endParaRPr lang="en-US"/>
           </a:p>
@@ -2948,7 +2949,7 @@
             <a:fld id="{C9E98D7A-2B2F-47CD-B202-BDEB206AE83D}" type="datetimeFigureOut">
               <a:rPr lang="en-US" smtClean="0"/>
               <a:pPr/>
-              <a:t>11/5/2009</a:t>
+              <a:t>11/6/2009</a:t>
             </a:fld>
             <a:endParaRPr lang="en-US"/>
           </a:p>
@@ -3167,7 +3168,7 @@
             <a:fld id="{C9E98D7A-2B2F-47CD-B202-BDEB206AE83D}" type="datetimeFigureOut">
               <a:rPr lang="en-US" smtClean="0"/>
               <a:pPr/>
-              <a:t>11/5/2009</a:t>
+              <a:t>11/6/2009</a:t>
             </a:fld>
             <a:endParaRPr lang="en-US"/>
           </a:p>
@@ -3682,7 +3683,11 @@
           <a:p>
             <a:r>
               <a:rPr lang="en-US" dirty="0" smtClean="0"/>
-              <a:t>What it is</a:t>
+              <a:t>What it </a:t>
+            </a:r>
+            <a:r>
+              <a:rPr lang="en-US" dirty="0" smtClean="0"/>
+              <a:t>is (presented last time)</a:t>
             </a:r>
             <a:endParaRPr lang="en-US" dirty="0"/>
           </a:p>
@@ -3825,9 +3830,12 @@
           <a:p>
             <a:r>
               <a:rPr lang="en-US" dirty="0" smtClean="0"/>
-              <a:t>Have framework implemented</a:t>
-            </a:r>
-            <a:endParaRPr lang="en-US" dirty="0"/>
+              <a:t>Have framework </a:t>
+            </a:r>
+            <a:r>
+              <a:rPr lang="en-US" dirty="0" smtClean="0"/>
+              <a:t>implemented</a:t>
+            </a:r>
           </a:p>
         </p:txBody>
       </p:sp>
@@ -3840,6 +3848,91 @@
 </file>
 
 <file path=ppt/slides/slide4.xml><?xml version="1.0" encoding="utf-8"?>
+<p:sld xmlns:a="http://schemas.openxmlformats.org/drawingml/2006/main" xmlns:r="http://schemas.openxmlformats.org/officeDocument/2006/relationships" xmlns:p="http://schemas.openxmlformats.org/presentationml/2006/main">
+  <p:cSld>
+    <p:spTree>
+      <p:nvGrpSpPr>
+        <p:cNvPr id="1" name=""/>
+        <p:cNvGrpSpPr/>
+        <p:nvPr/>
+      </p:nvGrpSpPr>
+      <p:grpSpPr>
+        <a:xfrm>
+          <a:off x="0" y="0"/>
+          <a:ext cx="0" cy="0"/>
+          <a:chOff x="0" y="0"/>
+          <a:chExt cx="0" cy="0"/>
+        </a:xfrm>
+      </p:grpSpPr>
+      <p:sp>
+        <p:nvSpPr>
+          <p:cNvPr id="2" name="Title 1"/>
+          <p:cNvSpPr>
+            <a:spLocks noGrp="1"/>
+          </p:cNvSpPr>
+          <p:nvPr>
+            <p:ph type="title"/>
+          </p:nvPr>
+        </p:nvSpPr>
+        <p:spPr/>
+        <p:txBody>
+          <a:bodyPr/>
+          <a:lstStyle/>
+          <a:p>
+            <a:r>
+              <a:rPr lang="en-US" dirty="0" smtClean="0"/>
+              <a:t>Working on</a:t>
+            </a:r>
+            <a:endParaRPr lang="en-US" dirty="0"/>
+          </a:p>
+        </p:txBody>
+      </p:sp>
+      <p:sp>
+        <p:nvSpPr>
+          <p:cNvPr id="3" name="Content Placeholder 2"/>
+          <p:cNvSpPr>
+            <a:spLocks noGrp="1"/>
+          </p:cNvSpPr>
+          <p:nvPr>
+            <p:ph idx="1"/>
+          </p:nvPr>
+        </p:nvSpPr>
+        <p:spPr/>
+        <p:txBody>
+          <a:bodyPr/>
+          <a:lstStyle/>
+          <a:p>
+            <a:r>
+              <a:rPr lang="en-US" dirty="0" smtClean="0"/>
+              <a:t>Template import/export</a:t>
+            </a:r>
+          </a:p>
+          <a:p>
+            <a:r>
+              <a:rPr lang="en-US" dirty="0" smtClean="0"/>
+              <a:t>Collecting syllabi</a:t>
+            </a:r>
+          </a:p>
+          <a:p>
+            <a:r>
+              <a:rPr lang="en-US" dirty="0" smtClean="0"/>
+              <a:t>Visuals (improve GUI)</a:t>
+            </a:r>
+          </a:p>
+          <a:p>
+            <a:endParaRPr lang="en-US" dirty="0" smtClean="0"/>
+          </a:p>
+        </p:txBody>
+      </p:sp>
+    </p:spTree>
+  </p:cSld>
+  <p:clrMapOvr>
+    <a:masterClrMapping/>
+  </p:clrMapOvr>
+</p:sld>
+</file>
+
+<file path=ppt/slides/slide5.xml><?xml version="1.0" encoding="utf-8"?>
 <p:sld xmlns:a="http://schemas.openxmlformats.org/drawingml/2006/main" xmlns:r="http://schemas.openxmlformats.org/officeDocument/2006/relationships" xmlns:p="http://schemas.openxmlformats.org/presentationml/2006/main">
   <p:cSld>
     <p:spTree>
@@ -3920,7 +4013,7 @@
 </p:sld>
 </file>
 
-<file path=ppt/slides/slide5.xml><?xml version="1.0" encoding="utf-8"?>
+<file path=ppt/slides/slide6.xml><?xml version="1.0" encoding="utf-8"?>
 <p:sld xmlns:a="http://schemas.openxmlformats.org/drawingml/2006/main" xmlns:r="http://schemas.openxmlformats.org/officeDocument/2006/relationships" xmlns:p="http://schemas.openxmlformats.org/presentationml/2006/main">
   <p:cSld>
     <p:spTree>
@@ -3975,6 +4068,29 @@
           <a:bodyPr/>
           <a:lstStyle/>
           <a:p>
+            <a:r>
+              <a:rPr lang="en-US" dirty="0" smtClean="0"/>
+              <a:t>Code is on </a:t>
+            </a:r>
+            <a:r>
+              <a:rPr lang="en-US" smtClean="0"/>
+              <a:t>github</a:t>
+            </a:r>
+            <a:endParaRPr lang="en-US" dirty="0" smtClean="0"/>
+          </a:p>
+          <a:p>
+            <a:r>
+              <a:rPr lang="en-US" dirty="0" smtClean="0"/>
+              <a:t>See our page in the </a:t>
+            </a:r>
+            <a:r>
+              <a:rPr lang="en-US" dirty="0" err="1" smtClean="0"/>
+              <a:t>google</a:t>
+            </a:r>
+            <a:r>
+              <a:rPr lang="en-US" dirty="0" smtClean="0"/>
+              <a:t> group for links to our wiki, blog, and code.</a:t>
+            </a:r>
             <a:endParaRPr lang="en-US" dirty="0"/>
           </a:p>
         </p:txBody>
